--- a/Illumin/presentation.pptx
+++ b/Illumin/presentation.pptx
@@ -10,6 +10,8 @@
     <p:sldId id="257" r:id="rId4"/>
     <p:sldId id="259" r:id="rId5"/>
     <p:sldId id="260" r:id="rId6"/>
+    <p:sldId id="261" r:id="rId7"/>
+    <p:sldId id="262" r:id="rId8"/>
   </p:sldIdLst>
   <p:sldSz cx="9144000" cy="6858000" type="screen4x3"/>
   <p:notesSz cx="6858000" cy="9144000"/>
@@ -3616,6 +3618,13 @@
   <p:clrMapOvr>
     <a:masterClrMapping/>
   </p:clrMapOvr>
+  <p:timing>
+    <p:tnLst>
+      <p:par>
+        <p:cTn xmlns:p14="http://schemas.microsoft.com/office/powerpoint/2010/main" id="1" dur="indefinite" restart="never" nodeType="tmRoot"/>
+      </p:par>
+    </p:tnLst>
+  </p:timing>
 </p:sld>
 </file>
 
@@ -3769,6 +3778,13 @@
   <p:clrMapOvr>
     <a:masterClrMapping/>
   </p:clrMapOvr>
+  <p:timing>
+    <p:tnLst>
+      <p:par>
+        <p:cTn xmlns:p14="http://schemas.microsoft.com/office/powerpoint/2010/main" id="1" dur="indefinite" restart="never" nodeType="tmRoot"/>
+      </p:par>
+    </p:tnLst>
+  </p:timing>
 </p:sld>
 </file>
 
@@ -3924,6 +3940,13 @@
   <p:clrMapOvr>
     <a:masterClrMapping/>
   </p:clrMapOvr>
+  <p:timing>
+    <p:tnLst>
+      <p:par>
+        <p:cTn xmlns:p14="http://schemas.microsoft.com/office/powerpoint/2010/main" id="1" dur="indefinite" restart="never" nodeType="tmRoot"/>
+      </p:par>
+    </p:tnLst>
+  </p:timing>
 </p:sld>
 </file>
 
@@ -3979,7 +4002,7 @@
         </p:nvSpPr>
         <p:spPr>
           <a:xfrm>
-            <a:off x="609600" y="1600200"/>
+            <a:off x="609600" y="3256722"/>
             <a:ext cx="7924800" cy="796323"/>
           </a:xfrm>
         </p:spPr>
@@ -4015,6 +4038,13 @@
   <p:clrMapOvr>
     <a:masterClrMapping/>
   </p:clrMapOvr>
+  <p:timing>
+    <p:tnLst>
+      <p:par>
+        <p:cTn xmlns:p14="http://schemas.microsoft.com/office/powerpoint/2010/main" id="1" dur="indefinite" restart="never" nodeType="tmRoot"/>
+      </p:par>
+    </p:tnLst>
+  </p:timing>
 </p:sld>
 </file>
 
@@ -4050,33 +4080,247 @@
           <a:bodyPr/>
           <a:lstStyle/>
           <a:p>
-            <a:endParaRPr lang="en-US"/>
-          </a:p>
-        </p:txBody>
-      </p:sp>
-      <p:sp>
-        <p:nvSpPr>
-          <p:cNvPr id="3" name="Content Placeholder 2"/>
-          <p:cNvSpPr>
-            <a:spLocks noGrp="1"/>
-          </p:cNvSpPr>
-          <p:nvPr>
-            <p:ph sz="quarter" idx="13"/>
-          </p:nvPr>
-        </p:nvSpPr>
-        <p:spPr/>
-        <p:txBody>
-          <a:bodyPr/>
-          <a:lstStyle/>
-          <a:p>
-            <a:endParaRPr lang="en-US"/>
-          </a:p>
-        </p:txBody>
-      </p:sp>
+            <a:r>
+              <a:rPr lang="en-US" dirty="0" smtClean="0"/>
+              <a:t>Subsonic Mode</a:t>
+            </a:r>
+            <a:endParaRPr lang="en-US" dirty="0"/>
+          </a:p>
+        </p:txBody>
+      </p:sp>
+      <p:pic>
+        <p:nvPicPr>
+          <p:cNvPr id="4" name="Picture 3" descr="mach05.pdf"/>
+          <p:cNvPicPr>
+            <a:picLocks noChangeAspect="1"/>
+          </p:cNvPicPr>
+          <p:nvPr/>
+        </p:nvPicPr>
+        <p:blipFill>
+          <a:blip r:embed="rId2">
+            <a:extLst>
+              <a:ext uri="{28A0092B-C50C-407E-A947-70E740481C1C}">
+                <a14:useLocalDpi xmlns:a14="http://schemas.microsoft.com/office/drawing/2010/main" val="0"/>
+              </a:ext>
+            </a:extLst>
+          </a:blip>
+          <a:stretch>
+            <a:fillRect/>
+          </a:stretch>
+        </p:blipFill>
+        <p:spPr>
+          <a:xfrm>
+            <a:off x="457200" y="2413000"/>
+            <a:ext cx="8229600" cy="2019300"/>
+          </a:xfrm>
+          <a:prstGeom prst="rect">
+            <a:avLst/>
+          </a:prstGeom>
+          <a:solidFill>
+            <a:schemeClr val="tx1"/>
+          </a:solidFill>
+        </p:spPr>
+      </p:pic>
     </p:spTree>
     <p:extLst>
       <p:ext uri="{BB962C8B-B14F-4D97-AF65-F5344CB8AC3E}">
         <p14:creationId xmlns:p14="http://schemas.microsoft.com/office/powerpoint/2010/main" val="3780962287"/>
+      </p:ext>
+    </p:extLst>
+  </p:cSld>
+  <p:clrMapOvr>
+    <a:masterClrMapping/>
+  </p:clrMapOvr>
+  <p:timing>
+    <p:tnLst>
+      <p:par>
+        <p:cTn xmlns:p14="http://schemas.microsoft.com/office/powerpoint/2010/main" id="1" dur="indefinite" restart="never" nodeType="tmRoot"/>
+      </p:par>
+    </p:tnLst>
+  </p:timing>
+</p:sld>
+</file>
+
+<file path=ppt/slides/slide6.xml><?xml version="1.0" encoding="utf-8"?>
+<p:sld xmlns:a="http://schemas.openxmlformats.org/drawingml/2006/main" xmlns:r="http://schemas.openxmlformats.org/officeDocument/2006/relationships" xmlns:p="http://schemas.openxmlformats.org/presentationml/2006/main">
+  <p:cSld>
+    <p:spTree>
+      <p:nvGrpSpPr>
+        <p:cNvPr id="1" name=""/>
+        <p:cNvGrpSpPr/>
+        <p:nvPr/>
+      </p:nvGrpSpPr>
+      <p:grpSpPr>
+        <a:xfrm>
+          <a:off x="0" y="0"/>
+          <a:ext cx="0" cy="0"/>
+          <a:chOff x="0" y="0"/>
+          <a:chExt cx="0" cy="0"/>
+        </a:xfrm>
+      </p:grpSpPr>
+      <p:sp>
+        <p:nvSpPr>
+          <p:cNvPr id="2" name="Title 1"/>
+          <p:cNvSpPr>
+            <a:spLocks noGrp="1"/>
+          </p:cNvSpPr>
+          <p:nvPr>
+            <p:ph type="title"/>
+          </p:nvPr>
+        </p:nvSpPr>
+        <p:spPr/>
+        <p:txBody>
+          <a:bodyPr/>
+          <a:lstStyle/>
+          <a:p>
+            <a:r>
+              <a:rPr lang="en-US" dirty="0" smtClean="0"/>
+              <a:t>Supersonic mode</a:t>
+            </a:r>
+            <a:endParaRPr lang="en-US" dirty="0"/>
+          </a:p>
+        </p:txBody>
+      </p:sp>
+      <p:pic>
+        <p:nvPicPr>
+          <p:cNvPr id="4" name="Picture 3" descr="mach32.pdf"/>
+          <p:cNvPicPr>
+            <a:picLocks noChangeAspect="1"/>
+          </p:cNvPicPr>
+          <p:nvPr/>
+        </p:nvPicPr>
+        <p:blipFill>
+          <a:blip r:embed="rId2">
+            <a:extLst>
+              <a:ext uri="{28A0092B-C50C-407E-A947-70E740481C1C}">
+                <a14:useLocalDpi xmlns:a14="http://schemas.microsoft.com/office/drawing/2010/main" val="0"/>
+              </a:ext>
+            </a:extLst>
+          </a:blip>
+          <a:stretch>
+            <a:fillRect/>
+          </a:stretch>
+        </p:blipFill>
+        <p:spPr>
+          <a:xfrm>
+            <a:off x="342900" y="2349500"/>
+            <a:ext cx="8458200" cy="2146300"/>
+          </a:xfrm>
+          <a:prstGeom prst="rect">
+            <a:avLst/>
+          </a:prstGeom>
+          <a:solidFill>
+            <a:schemeClr val="tx1"/>
+          </a:solidFill>
+        </p:spPr>
+      </p:pic>
+    </p:spTree>
+    <p:extLst>
+      <p:ext uri="{BB962C8B-B14F-4D97-AF65-F5344CB8AC3E}">
+        <p14:creationId xmlns:p14="http://schemas.microsoft.com/office/powerpoint/2010/main" val="1296176667"/>
+      </p:ext>
+    </p:extLst>
+  </p:cSld>
+  <p:clrMapOvr>
+    <a:masterClrMapping/>
+  </p:clrMapOvr>
+</p:sld>
+</file>
+
+<file path=ppt/slides/slide7.xml><?xml version="1.0" encoding="utf-8"?>
+<p:sld xmlns:a="http://schemas.openxmlformats.org/drawingml/2006/main" xmlns:r="http://schemas.openxmlformats.org/officeDocument/2006/relationships" xmlns:p="http://schemas.openxmlformats.org/presentationml/2006/main">
+  <p:cSld>
+    <p:spTree>
+      <p:nvGrpSpPr>
+        <p:cNvPr id="1" name=""/>
+        <p:cNvGrpSpPr/>
+        <p:nvPr/>
+      </p:nvGrpSpPr>
+      <p:grpSpPr>
+        <a:xfrm>
+          <a:off x="0" y="0"/>
+          <a:ext cx="0" cy="0"/>
+          <a:chOff x="0" y="0"/>
+          <a:chExt cx="0" cy="0"/>
+        </a:xfrm>
+      </p:grpSpPr>
+      <p:sp>
+        <p:nvSpPr>
+          <p:cNvPr id="2" name="Title 1"/>
+          <p:cNvSpPr>
+            <a:spLocks noGrp="1"/>
+          </p:cNvSpPr>
+          <p:nvPr>
+            <p:ph type="title"/>
+          </p:nvPr>
+        </p:nvSpPr>
+        <p:spPr/>
+        <p:txBody>
+          <a:bodyPr/>
+          <a:lstStyle/>
+          <a:p>
+            <a:r>
+              <a:rPr lang="en-US" dirty="0" smtClean="0"/>
+              <a:t>HULL</a:t>
+            </a:r>
+            <a:endParaRPr lang="en-US" dirty="0"/>
+          </a:p>
+        </p:txBody>
+      </p:sp>
+      <p:sp>
+        <p:nvSpPr>
+          <p:cNvPr id="3" name="Content Placeholder 2"/>
+          <p:cNvSpPr>
+            <a:spLocks noGrp="1"/>
+          </p:cNvSpPr>
+          <p:nvPr>
+            <p:ph sz="quarter" idx="13"/>
+          </p:nvPr>
+        </p:nvSpPr>
+        <p:spPr>
+          <a:xfrm>
+            <a:off x="609600" y="2538895"/>
+            <a:ext cx="7924800" cy="2309191"/>
+          </a:xfrm>
+        </p:spPr>
+        <p:txBody>
+          <a:bodyPr/>
+          <a:lstStyle/>
+          <a:p>
+            <a:r>
+              <a:rPr lang="en-US" dirty="0" smtClean="0"/>
+              <a:t>All-titanium body</a:t>
+            </a:r>
+          </a:p>
+          <a:p>
+            <a:r>
+              <a:rPr lang="en-US" dirty="0" err="1" smtClean="0"/>
+              <a:t>Rulite</a:t>
+            </a:r>
+            <a:r>
+              <a:rPr lang="en-US" dirty="0" smtClean="0"/>
+              <a:t> ore sourced from the USSR</a:t>
+            </a:r>
+          </a:p>
+          <a:p>
+            <a:r>
+              <a:rPr lang="en-US" dirty="0" smtClean="0"/>
+              <a:t>Custom-built titanium tooling</a:t>
+            </a:r>
+          </a:p>
+          <a:p>
+            <a:r>
+              <a:rPr lang="en-US" dirty="0" smtClean="0"/>
+              <a:t>Loose on takeoff</a:t>
+            </a:r>
+            <a:endParaRPr lang="en-US" dirty="0"/>
+          </a:p>
+        </p:txBody>
+      </p:sp>
+    </p:spTree>
+    <p:extLst>
+      <p:ext uri="{BB962C8B-B14F-4D97-AF65-F5344CB8AC3E}">
+        <p14:creationId xmlns:p14="http://schemas.microsoft.com/office/powerpoint/2010/main" val="2112557794"/>
       </p:ext>
     </p:extLst>
   </p:cSld>

--- a/Illumin/presentation.pptx
+++ b/Illumin/presentation.pptx
@@ -4,6 +4,9 @@
   <p:sldMasterIdLst>
     <p:sldMasterId id="2147484728" r:id="rId1"/>
   </p:sldMasterIdLst>
+  <p:notesMasterIdLst>
+    <p:notesMasterId r:id="rId11"/>
+  </p:notesMasterIdLst>
   <p:sldIdLst>
     <p:sldId id="256" r:id="rId2"/>
     <p:sldId id="258" r:id="rId3"/>
@@ -12,6 +15,8 @@
     <p:sldId id="260" r:id="rId6"/>
     <p:sldId id="261" r:id="rId7"/>
     <p:sldId id="262" r:id="rId8"/>
+    <p:sldId id="263" r:id="rId9"/>
+    <p:sldId id="264" r:id="rId10"/>
   </p:sldIdLst>
   <p:sldSz cx="9144000" cy="6858000" type="screen4x3"/>
   <p:notesSz cx="6858000" cy="9144000"/>
@@ -111,6 +116,454 @@
     </a:lvl9pPr>
   </p:defaultTextStyle>
 </p:presentation>
+</file>
+
+<file path=ppt/notesMasters/notesMaster1.xml><?xml version="1.0" encoding="utf-8"?>
+<p:notesMaster xmlns:a="http://schemas.openxmlformats.org/drawingml/2006/main" xmlns:r="http://schemas.openxmlformats.org/officeDocument/2006/relationships" xmlns:p="http://schemas.openxmlformats.org/presentationml/2006/main">
+  <p:cSld>
+    <p:bg>
+      <p:bgRef idx="1001">
+        <a:schemeClr val="bg1"/>
+      </p:bgRef>
+    </p:bg>
+    <p:spTree>
+      <p:nvGrpSpPr>
+        <p:cNvPr id="1" name=""/>
+        <p:cNvGrpSpPr/>
+        <p:nvPr/>
+      </p:nvGrpSpPr>
+      <p:grpSpPr>
+        <a:xfrm>
+          <a:off x="0" y="0"/>
+          <a:ext cx="0" cy="0"/>
+          <a:chOff x="0" y="0"/>
+          <a:chExt cx="0" cy="0"/>
+        </a:xfrm>
+      </p:grpSpPr>
+      <p:sp>
+        <p:nvSpPr>
+          <p:cNvPr id="2" name="Header Placeholder 1"/>
+          <p:cNvSpPr>
+            <a:spLocks noGrp="1"/>
+          </p:cNvSpPr>
+          <p:nvPr>
+            <p:ph type="hdr" sz="quarter"/>
+          </p:nvPr>
+        </p:nvSpPr>
+        <p:spPr>
+          <a:xfrm>
+            <a:off x="0" y="0"/>
+            <a:ext cx="2971800" cy="457200"/>
+          </a:xfrm>
+          <a:prstGeom prst="rect">
+            <a:avLst/>
+          </a:prstGeom>
+        </p:spPr>
+        <p:txBody>
+          <a:bodyPr vert="horz" lIns="91440" tIns="45720" rIns="91440" bIns="45720" rtlCol="0"/>
+          <a:lstStyle>
+            <a:lvl1pPr algn="l">
+              <a:defRPr sz="1200"/>
+            </a:lvl1pPr>
+          </a:lstStyle>
+          <a:p>
+            <a:endParaRPr lang="en-US"/>
+          </a:p>
+        </p:txBody>
+      </p:sp>
+      <p:sp>
+        <p:nvSpPr>
+          <p:cNvPr id="3" name="Date Placeholder 2"/>
+          <p:cNvSpPr>
+            <a:spLocks noGrp="1"/>
+          </p:cNvSpPr>
+          <p:nvPr>
+            <p:ph type="dt" idx="1"/>
+          </p:nvPr>
+        </p:nvSpPr>
+        <p:spPr>
+          <a:xfrm>
+            <a:off x="3884613" y="0"/>
+            <a:ext cx="2971800" cy="457200"/>
+          </a:xfrm>
+          <a:prstGeom prst="rect">
+            <a:avLst/>
+          </a:prstGeom>
+        </p:spPr>
+        <p:txBody>
+          <a:bodyPr vert="horz" lIns="91440" tIns="45720" rIns="91440" bIns="45720" rtlCol="0"/>
+          <a:lstStyle>
+            <a:lvl1pPr algn="r">
+              <a:defRPr sz="1200"/>
+            </a:lvl1pPr>
+          </a:lstStyle>
+          <a:p>
+            <a:fld id="{E6B4FC09-769D-754E-9619-9522381ED3C6}" type="datetimeFigureOut">
+              <a:rPr lang="en-US" smtClean="0"/>
+              <a:t>11/14/13</a:t>
+            </a:fld>
+            <a:endParaRPr lang="en-US"/>
+          </a:p>
+        </p:txBody>
+      </p:sp>
+      <p:sp>
+        <p:nvSpPr>
+          <p:cNvPr id="4" name="Slide Image Placeholder 3"/>
+          <p:cNvSpPr>
+            <a:spLocks noGrp="1" noRot="1" noChangeAspect="1"/>
+          </p:cNvSpPr>
+          <p:nvPr>
+            <p:ph type="sldImg" idx="2"/>
+          </p:nvPr>
+        </p:nvSpPr>
+        <p:spPr>
+          <a:xfrm>
+            <a:off x="1143000" y="685800"/>
+            <a:ext cx="4572000" cy="3429000"/>
+          </a:xfrm>
+          <a:prstGeom prst="rect">
+            <a:avLst/>
+          </a:prstGeom>
+          <a:noFill/>
+          <a:ln w="12700">
+            <a:solidFill>
+              <a:prstClr val="black"/>
+            </a:solidFill>
+          </a:ln>
+        </p:spPr>
+        <p:txBody>
+          <a:bodyPr vert="horz" lIns="91440" tIns="45720" rIns="91440" bIns="45720" rtlCol="0" anchor="ctr"/>
+          <a:lstStyle/>
+          <a:p>
+            <a:endParaRPr lang="en-US"/>
+          </a:p>
+        </p:txBody>
+      </p:sp>
+      <p:sp>
+        <p:nvSpPr>
+          <p:cNvPr id="5" name="Notes Placeholder 4"/>
+          <p:cNvSpPr>
+            <a:spLocks noGrp="1"/>
+          </p:cNvSpPr>
+          <p:nvPr>
+            <p:ph type="body" sz="quarter" idx="3"/>
+          </p:nvPr>
+        </p:nvSpPr>
+        <p:spPr>
+          <a:xfrm>
+            <a:off x="685800" y="4343400"/>
+            <a:ext cx="5486400" cy="4114800"/>
+          </a:xfrm>
+          <a:prstGeom prst="rect">
+            <a:avLst/>
+          </a:prstGeom>
+        </p:spPr>
+        <p:txBody>
+          <a:bodyPr vert="horz" lIns="91440" tIns="45720" rIns="91440" bIns="45720" rtlCol="0"/>
+          <a:lstStyle/>
+          <a:p>
+            <a:pPr lvl="0"/>
+            <a:r>
+              <a:rPr lang="en-US" smtClean="0"/>
+              <a:t>Click to edit Master text styles</a:t>
+            </a:r>
+          </a:p>
+          <a:p>
+            <a:pPr lvl="1"/>
+            <a:r>
+              <a:rPr lang="en-US" smtClean="0"/>
+              <a:t>Second level</a:t>
+            </a:r>
+          </a:p>
+          <a:p>
+            <a:pPr lvl="2"/>
+            <a:r>
+              <a:rPr lang="en-US" smtClean="0"/>
+              <a:t>Third level</a:t>
+            </a:r>
+          </a:p>
+          <a:p>
+            <a:pPr lvl="3"/>
+            <a:r>
+              <a:rPr lang="en-US" smtClean="0"/>
+              <a:t>Fourth level</a:t>
+            </a:r>
+          </a:p>
+          <a:p>
+            <a:pPr lvl="4"/>
+            <a:r>
+              <a:rPr lang="en-US" smtClean="0"/>
+              <a:t>Fifth level</a:t>
+            </a:r>
+            <a:endParaRPr lang="en-US"/>
+          </a:p>
+        </p:txBody>
+      </p:sp>
+      <p:sp>
+        <p:nvSpPr>
+          <p:cNvPr id="6" name="Footer Placeholder 5"/>
+          <p:cNvSpPr>
+            <a:spLocks noGrp="1"/>
+          </p:cNvSpPr>
+          <p:nvPr>
+            <p:ph type="ftr" sz="quarter" idx="4"/>
+          </p:nvPr>
+        </p:nvSpPr>
+        <p:spPr>
+          <a:xfrm>
+            <a:off x="0" y="8685213"/>
+            <a:ext cx="2971800" cy="457200"/>
+          </a:xfrm>
+          <a:prstGeom prst="rect">
+            <a:avLst/>
+          </a:prstGeom>
+        </p:spPr>
+        <p:txBody>
+          <a:bodyPr vert="horz" lIns="91440" tIns="45720" rIns="91440" bIns="45720" rtlCol="0" anchor="b"/>
+          <a:lstStyle>
+            <a:lvl1pPr algn="l">
+              <a:defRPr sz="1200"/>
+            </a:lvl1pPr>
+          </a:lstStyle>
+          <a:p>
+            <a:endParaRPr lang="en-US"/>
+          </a:p>
+        </p:txBody>
+      </p:sp>
+      <p:sp>
+        <p:nvSpPr>
+          <p:cNvPr id="7" name="Slide Number Placeholder 6"/>
+          <p:cNvSpPr>
+            <a:spLocks noGrp="1"/>
+          </p:cNvSpPr>
+          <p:nvPr>
+            <p:ph type="sldNum" sz="quarter" idx="5"/>
+          </p:nvPr>
+        </p:nvSpPr>
+        <p:spPr>
+          <a:xfrm>
+            <a:off x="3884613" y="8685213"/>
+            <a:ext cx="2971800" cy="457200"/>
+          </a:xfrm>
+          <a:prstGeom prst="rect">
+            <a:avLst/>
+          </a:prstGeom>
+        </p:spPr>
+        <p:txBody>
+          <a:bodyPr vert="horz" lIns="91440" tIns="45720" rIns="91440" bIns="45720" rtlCol="0" anchor="b"/>
+          <a:lstStyle>
+            <a:lvl1pPr algn="r">
+              <a:defRPr sz="1200"/>
+            </a:lvl1pPr>
+          </a:lstStyle>
+          <a:p>
+            <a:fld id="{436B7668-4600-6742-A3E7-4012734E6E14}" type="slidenum">
+              <a:rPr lang="en-US" smtClean="0"/>
+              <a:t>‹#›</a:t>
+            </a:fld>
+            <a:endParaRPr lang="en-US"/>
+          </a:p>
+        </p:txBody>
+      </p:sp>
+    </p:spTree>
+    <p:extLst>
+      <p:ext uri="{BB962C8B-B14F-4D97-AF65-F5344CB8AC3E}">
+        <p14:creationId xmlns:p14="http://schemas.microsoft.com/office/powerpoint/2010/main" val="1543271852"/>
+      </p:ext>
+    </p:extLst>
+  </p:cSld>
+  <p:clrMap bg1="lt1" tx1="dk1" bg2="lt2" tx2="dk2" accent1="accent1" accent2="accent2" accent3="accent3" accent4="accent4" accent5="accent5" accent6="accent6" hlink="hlink" folHlink="folHlink"/>
+  <p:notesStyle>
+    <a:lvl1pPr marL="0" algn="l" defTabSz="457200" rtl="0" eaLnBrk="1" latinLnBrk="0" hangingPunct="1">
+      <a:defRPr sz="1200" kern="1200">
+        <a:solidFill>
+          <a:schemeClr val="tx1"/>
+        </a:solidFill>
+        <a:latin typeface="+mn-lt"/>
+        <a:ea typeface="+mn-ea"/>
+        <a:cs typeface="+mn-cs"/>
+      </a:defRPr>
+    </a:lvl1pPr>
+    <a:lvl2pPr marL="457200" algn="l" defTabSz="457200" rtl="0" eaLnBrk="1" latinLnBrk="0" hangingPunct="1">
+      <a:defRPr sz="1200" kern="1200">
+        <a:solidFill>
+          <a:schemeClr val="tx1"/>
+        </a:solidFill>
+        <a:latin typeface="+mn-lt"/>
+        <a:ea typeface="+mn-ea"/>
+        <a:cs typeface="+mn-cs"/>
+      </a:defRPr>
+    </a:lvl2pPr>
+    <a:lvl3pPr marL="914400" algn="l" defTabSz="457200" rtl="0" eaLnBrk="1" latinLnBrk="0" hangingPunct="1">
+      <a:defRPr sz="1200" kern="1200">
+        <a:solidFill>
+          <a:schemeClr val="tx1"/>
+        </a:solidFill>
+        <a:latin typeface="+mn-lt"/>
+        <a:ea typeface="+mn-ea"/>
+        <a:cs typeface="+mn-cs"/>
+      </a:defRPr>
+    </a:lvl3pPr>
+    <a:lvl4pPr marL="1371600" algn="l" defTabSz="457200" rtl="0" eaLnBrk="1" latinLnBrk="0" hangingPunct="1">
+      <a:defRPr sz="1200" kern="1200">
+        <a:solidFill>
+          <a:schemeClr val="tx1"/>
+        </a:solidFill>
+        <a:latin typeface="+mn-lt"/>
+        <a:ea typeface="+mn-ea"/>
+        <a:cs typeface="+mn-cs"/>
+      </a:defRPr>
+    </a:lvl4pPr>
+    <a:lvl5pPr marL="1828800" algn="l" defTabSz="457200" rtl="0" eaLnBrk="1" latinLnBrk="0" hangingPunct="1">
+      <a:defRPr sz="1200" kern="1200">
+        <a:solidFill>
+          <a:schemeClr val="tx1"/>
+        </a:solidFill>
+        <a:latin typeface="+mn-lt"/>
+        <a:ea typeface="+mn-ea"/>
+        <a:cs typeface="+mn-cs"/>
+      </a:defRPr>
+    </a:lvl5pPr>
+    <a:lvl6pPr marL="2286000" algn="l" defTabSz="457200" rtl="0" eaLnBrk="1" latinLnBrk="0" hangingPunct="1">
+      <a:defRPr sz="1200" kern="1200">
+        <a:solidFill>
+          <a:schemeClr val="tx1"/>
+        </a:solidFill>
+        <a:latin typeface="+mn-lt"/>
+        <a:ea typeface="+mn-ea"/>
+        <a:cs typeface="+mn-cs"/>
+      </a:defRPr>
+    </a:lvl6pPr>
+    <a:lvl7pPr marL="2743200" algn="l" defTabSz="457200" rtl="0" eaLnBrk="1" latinLnBrk="0" hangingPunct="1">
+      <a:defRPr sz="1200" kern="1200">
+        <a:solidFill>
+          <a:schemeClr val="tx1"/>
+        </a:solidFill>
+        <a:latin typeface="+mn-lt"/>
+        <a:ea typeface="+mn-ea"/>
+        <a:cs typeface="+mn-cs"/>
+      </a:defRPr>
+    </a:lvl7pPr>
+    <a:lvl8pPr marL="3200400" algn="l" defTabSz="457200" rtl="0" eaLnBrk="1" latinLnBrk="0" hangingPunct="1">
+      <a:defRPr sz="1200" kern="1200">
+        <a:solidFill>
+          <a:schemeClr val="tx1"/>
+        </a:solidFill>
+        <a:latin typeface="+mn-lt"/>
+        <a:ea typeface="+mn-ea"/>
+        <a:cs typeface="+mn-cs"/>
+      </a:defRPr>
+    </a:lvl8pPr>
+    <a:lvl9pPr marL="3657600" algn="l" defTabSz="457200" rtl="0" eaLnBrk="1" latinLnBrk="0" hangingPunct="1">
+      <a:defRPr sz="1200" kern="1200">
+        <a:solidFill>
+          <a:schemeClr val="tx1"/>
+        </a:solidFill>
+        <a:latin typeface="+mn-lt"/>
+        <a:ea typeface="+mn-ea"/>
+        <a:cs typeface="+mn-cs"/>
+      </a:defRPr>
+    </a:lvl9pPr>
+  </p:notesStyle>
+</p:notesMaster>
+</file>
+
+<file path=ppt/notesSlides/notesSlide1.xml><?xml version="1.0" encoding="utf-8"?>
+<p:notes xmlns:a="http://schemas.openxmlformats.org/drawingml/2006/main" xmlns:r="http://schemas.openxmlformats.org/officeDocument/2006/relationships" xmlns:p="http://schemas.openxmlformats.org/presentationml/2006/main">
+  <p:cSld>
+    <p:spTree>
+      <p:nvGrpSpPr>
+        <p:cNvPr id="1" name=""/>
+        <p:cNvGrpSpPr/>
+        <p:nvPr/>
+      </p:nvGrpSpPr>
+      <p:grpSpPr>
+        <a:xfrm>
+          <a:off x="0" y="0"/>
+          <a:ext cx="0" cy="0"/>
+          <a:chOff x="0" y="0"/>
+          <a:chExt cx="0" cy="0"/>
+        </a:xfrm>
+      </p:grpSpPr>
+      <p:sp>
+        <p:nvSpPr>
+          <p:cNvPr id="2" name="Slide Image Placeholder 1"/>
+          <p:cNvSpPr>
+            <a:spLocks noGrp="1" noRot="1" noChangeAspect="1"/>
+          </p:cNvSpPr>
+          <p:nvPr>
+            <p:ph type="sldImg"/>
+          </p:nvPr>
+        </p:nvSpPr>
+        <p:spPr/>
+      </p:sp>
+      <p:sp>
+        <p:nvSpPr>
+          <p:cNvPr id="3" name="Notes Placeholder 2"/>
+          <p:cNvSpPr>
+            <a:spLocks noGrp="1"/>
+          </p:cNvSpPr>
+          <p:nvPr>
+            <p:ph type="body" idx="1"/>
+          </p:nvPr>
+        </p:nvSpPr>
+        <p:spPr/>
+        <p:txBody>
+          <a:bodyPr/>
+          <a:lstStyle/>
+          <a:p>
+            <a:r>
+              <a:rPr lang="en-US" dirty="0" smtClean="0"/>
+              <a:t>Skunk</a:t>
+            </a:r>
+            <a:r>
+              <a:rPr lang="en-US" baseline="0" dirty="0" smtClean="0"/>
+              <a:t> works, undercover</a:t>
+            </a:r>
+          </a:p>
+          <a:p>
+            <a:r>
+              <a:rPr lang="en-US" baseline="0" dirty="0" smtClean="0"/>
+              <a:t>Legendary engineer Kelly Johnson</a:t>
+            </a:r>
+            <a:endParaRPr lang="en-US" dirty="0"/>
+          </a:p>
+        </p:txBody>
+      </p:sp>
+      <p:sp>
+        <p:nvSpPr>
+          <p:cNvPr id="4" name="Slide Number Placeholder 3"/>
+          <p:cNvSpPr>
+            <a:spLocks noGrp="1"/>
+          </p:cNvSpPr>
+          <p:nvPr>
+            <p:ph type="sldNum" sz="quarter" idx="10"/>
+          </p:nvPr>
+        </p:nvSpPr>
+        <p:spPr/>
+        <p:txBody>
+          <a:bodyPr/>
+          <a:lstStyle/>
+          <a:p>
+            <a:fld id="{436B7668-4600-6742-A3E7-4012734E6E14}" type="slidenum">
+              <a:rPr lang="en-US" smtClean="0"/>
+              <a:t>3</a:t>
+            </a:fld>
+            <a:endParaRPr lang="en-US"/>
+          </a:p>
+        </p:txBody>
+      </p:sp>
+    </p:spTree>
+    <p:extLst>
+      <p:ext uri="{BB962C8B-B14F-4D97-AF65-F5344CB8AC3E}">
+        <p14:creationId xmlns:p14="http://schemas.microsoft.com/office/powerpoint/2010/main" val="2138352376"/>
+      </p:ext>
+    </p:extLst>
+  </p:cSld>
+  <p:clrMapOvr>
+    <a:masterClrMapping/>
+  </p:clrMapOvr>
+</p:notes>
 </file>
 
 <file path=ppt/slideLayouts/slideLayout1.xml><?xml version="1.0" encoding="utf-8"?>
@@ -3662,7 +4115,7 @@
           <a:p>
             <a:r>
               <a:rPr lang="en-US" dirty="0" smtClean="0"/>
-              <a:t>Description</a:t>
+              <a:t>Overview</a:t>
             </a:r>
             <a:endParaRPr lang="en-US" dirty="0"/>
           </a:p>
@@ -3680,13 +4133,13 @@
         </p:nvSpPr>
         <p:spPr>
           <a:xfrm>
-            <a:off x="609600" y="1600200"/>
-            <a:ext cx="2965036" cy="1912653"/>
+            <a:off x="355600" y="1600200"/>
+            <a:ext cx="2965036" cy="3844235"/>
           </a:xfrm>
         </p:spPr>
         <p:txBody>
           <a:bodyPr>
-            <a:normAutofit lnSpcReduction="10000"/>
+            <a:normAutofit/>
           </a:bodyPr>
           <a:lstStyle/>
           <a:p>
@@ -3716,8 +4169,22 @@
           <a:p>
             <a:r>
               <a:rPr lang="en-US" dirty="0" smtClean="0"/>
-              <a:t>Altitude ceiling: 24,000 m</a:t>
-            </a:r>
+              <a:t>Altitude ceiling: 24,000 </a:t>
+            </a:r>
+            <a:r>
+              <a:rPr lang="en-US" dirty="0" smtClean="0"/>
+              <a:t>m</a:t>
+            </a:r>
+          </a:p>
+          <a:p>
+            <a:r>
+              <a:rPr lang="en-US" dirty="0" smtClean="0"/>
+              <a:t>Designed by hand, slide rule, and graph paper</a:t>
+            </a:r>
+            <a:endParaRPr lang="en-US" dirty="0" smtClean="0"/>
+          </a:p>
+          <a:p>
+            <a:endParaRPr lang="en-US" dirty="0" smtClean="0"/>
           </a:p>
           <a:p>
             <a:pPr marL="0" indent="0">
@@ -3906,7 +4373,7 @@
           <p:nvPr/>
         </p:nvPicPr>
         <p:blipFill>
-          <a:blip r:embed="rId2">
+          <a:blip r:embed="rId3">
             <a:extLst>
               <a:ext uri="{28A0092B-C50C-407E-A947-70E740481C1C}">
                 <a14:useLocalDpi xmlns:a14="http://schemas.microsoft.com/office/drawing/2010/main" val="0"/>
@@ -3919,7 +4386,7 @@
         </p:blipFill>
         <p:spPr>
           <a:xfrm>
-            <a:off x="6685797" y="1349647"/>
+            <a:off x="6950840" y="2674864"/>
             <a:ext cx="1436513" cy="1436513"/>
           </a:xfrm>
           <a:prstGeom prst="rect">
@@ -4002,25 +4469,58 @@
         </p:nvSpPr>
         <p:spPr>
           <a:xfrm>
-            <a:off x="609600" y="3256722"/>
-            <a:ext cx="7924800" cy="796323"/>
+            <a:off x="510208" y="2174461"/>
+            <a:ext cx="7924800" cy="2784061"/>
           </a:xfrm>
         </p:spPr>
         <p:txBody>
           <a:bodyPr>
-            <a:normAutofit lnSpcReduction="10000"/>
+            <a:normAutofit/>
           </a:bodyPr>
           <a:lstStyle/>
           <a:p>
             <a:r>
               <a:rPr lang="en-US" dirty="0" smtClean="0"/>
-              <a:t>Twin Pratt &amp; Whitney J58-P4 delivering a total force of 300 kilonewtons</a:t>
-            </a:r>
-          </a:p>
-          <a:p>
+              <a:t>Twin Pratt &amp; Whitney J58-P4 </a:t>
+            </a:r>
             <a:r>
               <a:rPr lang="en-US" dirty="0" smtClean="0"/>
-              <a:t>Turbojet inside a ramjet</a:t>
+              <a:t>powerplants</a:t>
+            </a:r>
+          </a:p>
+          <a:p>
+            <a:r>
+              <a:rPr lang="en-US" dirty="0" smtClean="0"/>
+              <a:t>Total force </a:t>
+            </a:r>
+            <a:r>
+              <a:rPr lang="en-US" dirty="0" smtClean="0"/>
+              <a:t>of 300 </a:t>
+            </a:r>
+            <a:r>
+              <a:rPr lang="en-US" dirty="0" smtClean="0"/>
+              <a:t>kilonewtons</a:t>
+            </a:r>
+          </a:p>
+          <a:p>
+            <a:r>
+              <a:rPr lang="en-US" dirty="0" smtClean="0"/>
+              <a:t>Conventional turbojets cannot withstand the temperatures needed for high speeds</a:t>
+            </a:r>
+            <a:endParaRPr lang="en-US" dirty="0" smtClean="0"/>
+          </a:p>
+          <a:p>
+            <a:r>
+              <a:rPr lang="en-US" dirty="0" smtClean="0"/>
+              <a:t>Problem solved by putting a t</a:t>
+            </a:r>
+            <a:r>
+              <a:rPr lang="en-US" dirty="0" smtClean="0"/>
+              <a:t>urbojet </a:t>
+            </a:r>
+            <a:r>
+              <a:rPr lang="en-US" dirty="0" smtClean="0"/>
+              <a:t>inside a ramjet</a:t>
             </a:r>
           </a:p>
           <a:p>
@@ -4280,7 +4780,7 @@
         <p:spPr>
           <a:xfrm>
             <a:off x="609600" y="2538895"/>
-            <a:ext cx="7924800" cy="2309191"/>
+            <a:ext cx="4183270" cy="2309191"/>
           </a:xfrm>
         </p:spPr>
         <p:txBody>
@@ -4313,14 +4813,298 @@
               <a:rPr lang="en-US" dirty="0" smtClean="0"/>
               <a:t>Loose on takeoff</a:t>
             </a:r>
+          </a:p>
+          <a:p>
+            <a:r>
+              <a:rPr lang="en-US" dirty="0" smtClean="0"/>
+              <a:t>Leaked fuel on the runway and had to refuel in-flight</a:t>
+            </a:r>
             <a:endParaRPr lang="en-US" dirty="0"/>
           </a:p>
         </p:txBody>
       </p:sp>
+      <p:pic>
+        <p:nvPicPr>
+          <p:cNvPr id="4" name="Picture 3" descr="6-84-con-from-kc.jpg"/>
+          <p:cNvPicPr>
+            <a:picLocks noChangeAspect="1"/>
+          </p:cNvPicPr>
+          <p:nvPr/>
+        </p:nvPicPr>
+        <p:blipFill>
+          <a:blip r:embed="rId2" cstate="print">
+            <a:extLst>
+              <a:ext uri="{28A0092B-C50C-407E-A947-70E740481C1C}">
+                <a14:useLocalDpi xmlns:a14="http://schemas.microsoft.com/office/drawing/2010/main" val="0"/>
+              </a:ext>
+            </a:extLst>
+          </a:blip>
+          <a:stretch>
+            <a:fillRect/>
+          </a:stretch>
+        </p:blipFill>
+        <p:spPr>
+          <a:xfrm>
+            <a:off x="5074390" y="795130"/>
+            <a:ext cx="2996184" cy="4315968"/>
+          </a:xfrm>
+          <a:prstGeom prst="rect">
+            <a:avLst/>
+          </a:prstGeom>
+        </p:spPr>
+      </p:pic>
     </p:spTree>
     <p:extLst>
       <p:ext uri="{BB962C8B-B14F-4D97-AF65-F5344CB8AC3E}">
         <p14:creationId xmlns:p14="http://schemas.microsoft.com/office/powerpoint/2010/main" val="2112557794"/>
+      </p:ext>
+    </p:extLst>
+  </p:cSld>
+  <p:clrMapOvr>
+    <a:masterClrMapping/>
+  </p:clrMapOvr>
+</p:sld>
+</file>
+
+<file path=ppt/slides/slide8.xml><?xml version="1.0" encoding="utf-8"?>
+<p:sld xmlns:a="http://schemas.openxmlformats.org/drawingml/2006/main" xmlns:r="http://schemas.openxmlformats.org/officeDocument/2006/relationships" xmlns:p="http://schemas.openxmlformats.org/presentationml/2006/main">
+  <p:cSld>
+    <p:spTree>
+      <p:nvGrpSpPr>
+        <p:cNvPr id="1" name=""/>
+        <p:cNvGrpSpPr/>
+        <p:nvPr/>
+      </p:nvGrpSpPr>
+      <p:grpSpPr>
+        <a:xfrm>
+          <a:off x="0" y="0"/>
+          <a:ext cx="0" cy="0"/>
+          <a:chOff x="0" y="0"/>
+          <a:chExt cx="0" cy="0"/>
+        </a:xfrm>
+      </p:grpSpPr>
+      <p:sp>
+        <p:nvSpPr>
+          <p:cNvPr id="2" name="Title 1"/>
+          <p:cNvSpPr>
+            <a:spLocks noGrp="1"/>
+          </p:cNvSpPr>
+          <p:nvPr>
+            <p:ph type="title"/>
+          </p:nvPr>
+        </p:nvSpPr>
+        <p:spPr/>
+        <p:txBody>
+          <a:bodyPr/>
+          <a:lstStyle/>
+          <a:p>
+            <a:r>
+              <a:rPr lang="en-US" dirty="0" smtClean="0"/>
+              <a:t>Stealth</a:t>
+            </a:r>
+            <a:endParaRPr lang="en-US" dirty="0"/>
+          </a:p>
+        </p:txBody>
+      </p:sp>
+      <p:sp>
+        <p:nvSpPr>
+          <p:cNvPr id="3" name="Content Placeholder 2"/>
+          <p:cNvSpPr>
+            <a:spLocks noGrp="1"/>
+          </p:cNvSpPr>
+          <p:nvPr>
+            <p:ph sz="quarter" idx="13"/>
+          </p:nvPr>
+        </p:nvSpPr>
+        <p:spPr>
+          <a:xfrm>
+            <a:off x="609600" y="1600200"/>
+            <a:ext cx="3449431" cy="2132496"/>
+          </a:xfrm>
+        </p:spPr>
+        <p:txBody>
+          <a:bodyPr>
+            <a:normAutofit/>
+          </a:bodyPr>
+          <a:lstStyle/>
+          <a:p>
+            <a:r>
+              <a:rPr lang="en-US" dirty="0" smtClean="0"/>
+              <a:t>Shape optimized for low radar cross-section</a:t>
+            </a:r>
+          </a:p>
+          <a:p>
+            <a:r>
+              <a:rPr lang="en-US" dirty="0" smtClean="0"/>
+              <a:t>High altitude flight</a:t>
+            </a:r>
+          </a:p>
+          <a:p>
+            <a:r>
+              <a:rPr lang="en-US" dirty="0" smtClean="0"/>
+              <a:t>High speed allowed easy escape from interceptors</a:t>
+            </a:r>
+            <a:endParaRPr lang="en-US" dirty="0"/>
+          </a:p>
+        </p:txBody>
+      </p:sp>
+      <p:pic>
+        <p:nvPicPr>
+          <p:cNvPr id="4" name="Picture 3" descr="5_81.jpg"/>
+          <p:cNvPicPr>
+            <a:picLocks noChangeAspect="1"/>
+          </p:cNvPicPr>
+          <p:nvPr/>
+        </p:nvPicPr>
+        <p:blipFill>
+          <a:blip r:embed="rId2">
+            <a:extLst>
+              <a:ext uri="{28A0092B-C50C-407E-A947-70E740481C1C}">
+                <a14:useLocalDpi xmlns:a14="http://schemas.microsoft.com/office/drawing/2010/main" val="0"/>
+              </a:ext>
+            </a:extLst>
+          </a:blip>
+          <a:stretch>
+            <a:fillRect/>
+          </a:stretch>
+        </p:blipFill>
+        <p:spPr>
+          <a:xfrm>
+            <a:off x="4136336" y="2222692"/>
+            <a:ext cx="4057926" cy="3020007"/>
+          </a:xfrm>
+          <a:prstGeom prst="rect">
+            <a:avLst/>
+          </a:prstGeom>
+        </p:spPr>
+      </p:pic>
+    </p:spTree>
+    <p:extLst>
+      <p:ext uri="{BB962C8B-B14F-4D97-AF65-F5344CB8AC3E}">
+        <p14:creationId xmlns:p14="http://schemas.microsoft.com/office/powerpoint/2010/main" val="2659047147"/>
+      </p:ext>
+    </p:extLst>
+  </p:cSld>
+  <p:clrMapOvr>
+    <a:masterClrMapping/>
+  </p:clrMapOvr>
+</p:sld>
+</file>
+
+<file path=ppt/slides/slide9.xml><?xml version="1.0" encoding="utf-8"?>
+<p:sld xmlns:a="http://schemas.openxmlformats.org/drawingml/2006/main" xmlns:r="http://schemas.openxmlformats.org/officeDocument/2006/relationships" xmlns:p="http://schemas.openxmlformats.org/presentationml/2006/main">
+  <p:cSld>
+    <p:spTree>
+      <p:nvGrpSpPr>
+        <p:cNvPr id="1" name=""/>
+        <p:cNvGrpSpPr/>
+        <p:nvPr/>
+      </p:nvGrpSpPr>
+      <p:grpSpPr>
+        <a:xfrm>
+          <a:off x="0" y="0"/>
+          <a:ext cx="0" cy="0"/>
+          <a:chOff x="0" y="0"/>
+          <a:chExt cx="0" cy="0"/>
+        </a:xfrm>
+      </p:grpSpPr>
+      <p:sp>
+        <p:nvSpPr>
+          <p:cNvPr id="2" name="Title 1"/>
+          <p:cNvSpPr>
+            <a:spLocks noGrp="1"/>
+          </p:cNvSpPr>
+          <p:nvPr>
+            <p:ph type="title"/>
+          </p:nvPr>
+        </p:nvSpPr>
+        <p:spPr/>
+        <p:txBody>
+          <a:bodyPr/>
+          <a:lstStyle/>
+          <a:p>
+            <a:r>
+              <a:rPr lang="en-US" dirty="0" smtClean="0"/>
+              <a:t>Legacy</a:t>
+            </a:r>
+            <a:endParaRPr lang="en-US" dirty="0"/>
+          </a:p>
+        </p:txBody>
+      </p:sp>
+      <p:sp>
+        <p:nvSpPr>
+          <p:cNvPr id="3" name="Content Placeholder 2"/>
+          <p:cNvSpPr>
+            <a:spLocks noGrp="1"/>
+          </p:cNvSpPr>
+          <p:nvPr>
+            <p:ph sz="quarter" idx="13"/>
+          </p:nvPr>
+        </p:nvSpPr>
+        <p:spPr>
+          <a:xfrm>
+            <a:off x="609600" y="1600200"/>
+            <a:ext cx="7924800" cy="1318643"/>
+          </a:xfrm>
+        </p:spPr>
+        <p:txBody>
+          <a:bodyPr/>
+          <a:lstStyle/>
+          <a:p>
+            <a:r>
+              <a:rPr lang="en-US" dirty="0" smtClean="0"/>
+              <a:t>Highly successful program with zero losses to the enemy</a:t>
+            </a:r>
+          </a:p>
+          <a:p>
+            <a:r>
+              <a:rPr lang="en-US" dirty="0" smtClean="0"/>
+              <a:t>Many technologies developed for the Blackbird are in use on aircraft today</a:t>
+            </a:r>
+          </a:p>
+          <a:p>
+            <a:r>
+              <a:rPr lang="en-US" dirty="0" smtClean="0"/>
+              <a:t>Recently announced development on the SR-72 “Aurora”</a:t>
+            </a:r>
+            <a:endParaRPr lang="en-US" dirty="0"/>
+          </a:p>
+        </p:txBody>
+      </p:sp>
+      <p:pic>
+        <p:nvPicPr>
+          <p:cNvPr id="4" name="Picture 3" descr="1383660716680.jpg"/>
+          <p:cNvPicPr>
+            <a:picLocks noChangeAspect="1"/>
+          </p:cNvPicPr>
+          <p:nvPr/>
+        </p:nvPicPr>
+        <p:blipFill>
+          <a:blip r:embed="rId2">
+            <a:extLst>
+              <a:ext uri="{28A0092B-C50C-407E-A947-70E740481C1C}">
+                <a14:useLocalDpi xmlns:a14="http://schemas.microsoft.com/office/drawing/2010/main" val="0"/>
+              </a:ext>
+            </a:extLst>
+          </a:blip>
+          <a:stretch>
+            <a:fillRect/>
+          </a:stretch>
+        </p:blipFill>
+        <p:spPr>
+          <a:xfrm>
+            <a:off x="2108719" y="3034765"/>
+            <a:ext cx="4784490" cy="2691706"/>
+          </a:xfrm>
+          <a:prstGeom prst="rect">
+            <a:avLst/>
+          </a:prstGeom>
+        </p:spPr>
+      </p:pic>
+    </p:spTree>
+    <p:extLst>
+      <p:ext uri="{BB962C8B-B14F-4D97-AF65-F5344CB8AC3E}">
+        <p14:creationId xmlns:p14="http://schemas.microsoft.com/office/powerpoint/2010/main" val="280104906"/>
       </p:ext>
     </p:extLst>
   </p:cSld>
@@ -4619,4 +5403,324 @@
   <a:objectDefaults/>
   <a:extraClrSchemeLst/>
 </a:theme>
+</file>
+
+<file path=ppt/theme/theme2.xml><?xml version="1.0" encoding="utf-8"?>
+<a:theme xmlns:a="http://schemas.openxmlformats.org/drawingml/2006/main" name="Office Theme">
+  <a:themeElements>
+    <a:clrScheme name="Office">
+      <a:dk1>
+        <a:sysClr val="windowText" lastClr="000000"/>
+      </a:dk1>
+      <a:lt1>
+        <a:sysClr val="window" lastClr="FFFFFF"/>
+      </a:lt1>
+      <a:dk2>
+        <a:srgbClr val="1F497D"/>
+      </a:dk2>
+      <a:lt2>
+        <a:srgbClr val="EEECE1"/>
+      </a:lt2>
+      <a:accent1>
+        <a:srgbClr val="4F81BD"/>
+      </a:accent1>
+      <a:accent2>
+        <a:srgbClr val="C0504D"/>
+      </a:accent2>
+      <a:accent3>
+        <a:srgbClr val="9BBB59"/>
+      </a:accent3>
+      <a:accent4>
+        <a:srgbClr val="8064A2"/>
+      </a:accent4>
+      <a:accent5>
+        <a:srgbClr val="4BACC6"/>
+      </a:accent5>
+      <a:accent6>
+        <a:srgbClr val="F79646"/>
+      </a:accent6>
+      <a:hlink>
+        <a:srgbClr val="0000FF"/>
+      </a:hlink>
+      <a:folHlink>
+        <a:srgbClr val="800080"/>
+      </a:folHlink>
+    </a:clrScheme>
+    <a:fontScheme name="Office">
+      <a:majorFont>
+        <a:latin typeface="Calibri"/>
+        <a:ea typeface=""/>
+        <a:cs typeface=""/>
+        <a:font script="Jpan" typeface="ＭＳ Ｐゴシック"/>
+        <a:font script="Hang" typeface="맑은 고딕"/>
+        <a:font script="Hans" typeface="宋体"/>
+        <a:font script="Hant" typeface="新細明體"/>
+        <a:font script="Arab" typeface="Times New Roman"/>
+        <a:font script="Hebr" typeface="Times New Roman"/>
+        <a:font script="Thai" typeface="Angsana New"/>
+        <a:font script="Ethi" typeface="Nyala"/>
+        <a:font script="Beng" typeface="Vrinda"/>
+        <a:font script="Gujr" typeface="Shruti"/>
+        <a:font script="Khmr" typeface="MoolBoran"/>
+        <a:font script="Knda" typeface="Tunga"/>
+        <a:font script="Guru" typeface="Raavi"/>
+        <a:font script="Cans" typeface="Euphemia"/>
+        <a:font script="Cher" typeface="Plantagenet Cherokee"/>
+        <a:font script="Yiii" typeface="Microsoft Yi Baiti"/>
+        <a:font script="Tibt" typeface="Microsoft Himalaya"/>
+        <a:font script="Thaa" typeface="MV Boli"/>
+        <a:font script="Deva" typeface="Mangal"/>
+        <a:font script="Telu" typeface="Gautami"/>
+        <a:font script="Taml" typeface="Latha"/>
+        <a:font script="Syrc" typeface="Estrangelo Edessa"/>
+        <a:font script="Orya" typeface="Kalinga"/>
+        <a:font script="Mlym" typeface="Kartika"/>
+        <a:font script="Laoo" typeface="DokChampa"/>
+        <a:font script="Sinh" typeface="Iskoola Pota"/>
+        <a:font script="Mong" typeface="Mongolian Baiti"/>
+        <a:font script="Viet" typeface="Times New Roman"/>
+        <a:font script="Uigh" typeface="Microsoft Uighur"/>
+        <a:font script="Geor" typeface="Sylfaen"/>
+      </a:majorFont>
+      <a:minorFont>
+        <a:latin typeface="Calibri"/>
+        <a:ea typeface=""/>
+        <a:cs typeface=""/>
+        <a:font script="Jpan" typeface="ＭＳ Ｐゴシック"/>
+        <a:font script="Hang" typeface="맑은 고딕"/>
+        <a:font script="Hans" typeface="宋体"/>
+        <a:font script="Hant" typeface="新細明體"/>
+        <a:font script="Arab" typeface="Arial"/>
+        <a:font script="Hebr" typeface="Arial"/>
+        <a:font script="Thai" typeface="Cordia New"/>
+        <a:font script="Ethi" typeface="Nyala"/>
+        <a:font script="Beng" typeface="Vrinda"/>
+        <a:font script="Gujr" typeface="Shruti"/>
+        <a:font script="Khmr" typeface="DaunPenh"/>
+        <a:font script="Knda" typeface="Tunga"/>
+        <a:font script="Guru" typeface="Raavi"/>
+        <a:font script="Cans" typeface="Euphemia"/>
+        <a:font script="Cher" typeface="Plantagenet Cherokee"/>
+        <a:font script="Yiii" typeface="Microsoft Yi Baiti"/>
+        <a:font script="Tibt" typeface="Microsoft Himalaya"/>
+        <a:font script="Thaa" typeface="MV Boli"/>
+        <a:font script="Deva" typeface="Mangal"/>
+        <a:font script="Telu" typeface="Gautami"/>
+        <a:font script="Taml" typeface="Latha"/>
+        <a:font script="Syrc" typeface="Estrangelo Edessa"/>
+        <a:font script="Orya" typeface="Kalinga"/>
+        <a:font script="Mlym" typeface="Kartika"/>
+        <a:font script="Laoo" typeface="DokChampa"/>
+        <a:font script="Sinh" typeface="Iskoola Pota"/>
+        <a:font script="Mong" typeface="Mongolian Baiti"/>
+        <a:font script="Viet" typeface="Arial"/>
+        <a:font script="Uigh" typeface="Microsoft Uighur"/>
+        <a:font script="Geor" typeface="Sylfaen"/>
+      </a:minorFont>
+    </a:fontScheme>
+    <a:fmtScheme name="Office">
+      <a:fillStyleLst>
+        <a:solidFill>
+          <a:schemeClr val="phClr"/>
+        </a:solidFill>
+        <a:gradFill rotWithShape="1">
+          <a:gsLst>
+            <a:gs pos="0">
+              <a:schemeClr val="phClr">
+                <a:tint val="50000"/>
+                <a:satMod val="300000"/>
+              </a:schemeClr>
+            </a:gs>
+            <a:gs pos="35000">
+              <a:schemeClr val="phClr">
+                <a:tint val="37000"/>
+                <a:satMod val="300000"/>
+              </a:schemeClr>
+            </a:gs>
+            <a:gs pos="100000">
+              <a:schemeClr val="phClr">
+                <a:tint val="15000"/>
+                <a:satMod val="350000"/>
+              </a:schemeClr>
+            </a:gs>
+          </a:gsLst>
+          <a:lin ang="16200000" scaled="1"/>
+        </a:gradFill>
+        <a:gradFill rotWithShape="1">
+          <a:gsLst>
+            <a:gs pos="0">
+              <a:schemeClr val="phClr">
+                <a:tint val="100000"/>
+                <a:shade val="100000"/>
+                <a:satMod val="130000"/>
+              </a:schemeClr>
+            </a:gs>
+            <a:gs pos="100000">
+              <a:schemeClr val="phClr">
+                <a:tint val="50000"/>
+                <a:shade val="100000"/>
+                <a:satMod val="350000"/>
+              </a:schemeClr>
+            </a:gs>
+          </a:gsLst>
+          <a:lin ang="16200000" scaled="0"/>
+        </a:gradFill>
+      </a:fillStyleLst>
+      <a:lnStyleLst>
+        <a:ln w="9525" cap="flat" cmpd="sng" algn="ctr">
+          <a:solidFill>
+            <a:schemeClr val="phClr">
+              <a:shade val="95000"/>
+              <a:satMod val="105000"/>
+            </a:schemeClr>
+          </a:solidFill>
+          <a:prstDash val="solid"/>
+        </a:ln>
+        <a:ln w="25400" cap="flat" cmpd="sng" algn="ctr">
+          <a:solidFill>
+            <a:schemeClr val="phClr"/>
+          </a:solidFill>
+          <a:prstDash val="solid"/>
+        </a:ln>
+        <a:ln w="38100" cap="flat" cmpd="sng" algn="ctr">
+          <a:solidFill>
+            <a:schemeClr val="phClr"/>
+          </a:solidFill>
+          <a:prstDash val="solid"/>
+        </a:ln>
+      </a:lnStyleLst>
+      <a:effectStyleLst>
+        <a:effectStyle>
+          <a:effectLst>
+            <a:outerShdw blurRad="40000" dist="20000" dir="5400000" rotWithShape="0">
+              <a:srgbClr val="000000">
+                <a:alpha val="38000"/>
+              </a:srgbClr>
+            </a:outerShdw>
+          </a:effectLst>
+        </a:effectStyle>
+        <a:effectStyle>
+          <a:effectLst>
+            <a:outerShdw blurRad="40000" dist="23000" dir="5400000" rotWithShape="0">
+              <a:srgbClr val="000000">
+                <a:alpha val="35000"/>
+              </a:srgbClr>
+            </a:outerShdw>
+          </a:effectLst>
+        </a:effectStyle>
+        <a:effectStyle>
+          <a:effectLst>
+            <a:outerShdw blurRad="40000" dist="23000" dir="5400000" rotWithShape="0">
+              <a:srgbClr val="000000">
+                <a:alpha val="35000"/>
+              </a:srgbClr>
+            </a:outerShdw>
+          </a:effectLst>
+          <a:scene3d>
+            <a:camera prst="orthographicFront">
+              <a:rot lat="0" lon="0" rev="0"/>
+            </a:camera>
+            <a:lightRig rig="threePt" dir="t">
+              <a:rot lat="0" lon="0" rev="1200000"/>
+            </a:lightRig>
+          </a:scene3d>
+          <a:sp3d>
+            <a:bevelT w="63500" h="25400"/>
+          </a:sp3d>
+        </a:effectStyle>
+      </a:effectStyleLst>
+      <a:bgFillStyleLst>
+        <a:solidFill>
+          <a:schemeClr val="phClr"/>
+        </a:solidFill>
+        <a:gradFill rotWithShape="1">
+          <a:gsLst>
+            <a:gs pos="0">
+              <a:schemeClr val="phClr">
+                <a:tint val="40000"/>
+                <a:satMod val="350000"/>
+              </a:schemeClr>
+            </a:gs>
+            <a:gs pos="40000">
+              <a:schemeClr val="phClr">
+                <a:tint val="45000"/>
+                <a:shade val="99000"/>
+                <a:satMod val="350000"/>
+              </a:schemeClr>
+            </a:gs>
+            <a:gs pos="100000">
+              <a:schemeClr val="phClr">
+                <a:shade val="20000"/>
+                <a:satMod val="255000"/>
+              </a:schemeClr>
+            </a:gs>
+          </a:gsLst>
+          <a:path path="circle">
+            <a:fillToRect l="50000" t="-80000" r="50000" b="180000"/>
+          </a:path>
+        </a:gradFill>
+        <a:gradFill rotWithShape="1">
+          <a:gsLst>
+            <a:gs pos="0">
+              <a:schemeClr val="phClr">
+                <a:tint val="80000"/>
+                <a:satMod val="300000"/>
+              </a:schemeClr>
+            </a:gs>
+            <a:gs pos="100000">
+              <a:schemeClr val="phClr">
+                <a:shade val="30000"/>
+                <a:satMod val="200000"/>
+              </a:schemeClr>
+            </a:gs>
+          </a:gsLst>
+          <a:path path="circle">
+            <a:fillToRect l="50000" t="50000" r="50000" b="50000"/>
+          </a:path>
+        </a:gradFill>
+      </a:bgFillStyleLst>
+    </a:fmtScheme>
+  </a:themeElements>
+  <a:objectDefaults>
+    <a:spDef>
+      <a:spPr/>
+      <a:bodyPr/>
+      <a:lstStyle/>
+      <a:style>
+        <a:lnRef idx="1">
+          <a:schemeClr val="accent1"/>
+        </a:lnRef>
+        <a:fillRef idx="3">
+          <a:schemeClr val="accent1"/>
+        </a:fillRef>
+        <a:effectRef idx="2">
+          <a:schemeClr val="accent1"/>
+        </a:effectRef>
+        <a:fontRef idx="minor">
+          <a:schemeClr val="lt1"/>
+        </a:fontRef>
+      </a:style>
+    </a:spDef>
+    <a:lnDef>
+      <a:spPr/>
+      <a:bodyPr/>
+      <a:lstStyle/>
+      <a:style>
+        <a:lnRef idx="2">
+          <a:schemeClr val="accent1"/>
+        </a:lnRef>
+        <a:fillRef idx="0">
+          <a:schemeClr val="accent1"/>
+        </a:fillRef>
+        <a:effectRef idx="1">
+          <a:schemeClr val="accent1"/>
+        </a:effectRef>
+        <a:fontRef idx="minor">
+          <a:schemeClr val="tx1"/>
+        </a:fontRef>
+      </a:style>
+    </a:lnDef>
+  </a:objectDefaults>
+  <a:extraClrSchemeLst/>
+</a:theme>
 </file>
--- a/Illumin/presentation.pptx
+++ b/Illumin/presentation.pptx
@@ -5,7 +5,7 @@
     <p:sldMasterId id="2147484728" r:id="rId1"/>
   </p:sldMasterIdLst>
   <p:notesMasterIdLst>
-    <p:notesMasterId r:id="rId11"/>
+    <p:notesMasterId r:id="rId12"/>
   </p:notesMasterIdLst>
   <p:sldIdLst>
     <p:sldId id="256" r:id="rId2"/>
@@ -17,6 +17,7 @@
     <p:sldId id="262" r:id="rId8"/>
     <p:sldId id="263" r:id="rId9"/>
     <p:sldId id="264" r:id="rId10"/>
+    <p:sldId id="265" r:id="rId11"/>
   </p:sldIdLst>
   <p:sldSz cx="9144000" cy="6858000" type="screen4x3"/>
   <p:notesSz cx="6858000" cy="9144000"/>
@@ -514,6 +515,106 @@
           <a:p>
             <a:r>
               <a:rPr lang="en-US" dirty="0" smtClean="0"/>
+              <a:t>Far ahead of its time</a:t>
+            </a:r>
+          </a:p>
+          <a:p>
+            <a:r>
+              <a:rPr lang="en-US" dirty="0" smtClean="0"/>
+              <a:t>Built before the pocket calculator</a:t>
+            </a:r>
+          </a:p>
+          <a:p>
+            <a:r>
+              <a:rPr lang="en-US" dirty="0" smtClean="0"/>
+              <a:t>Designed by hand, with slide rule, on graph paper</a:t>
+            </a:r>
+            <a:endParaRPr lang="en-US" dirty="0"/>
+          </a:p>
+        </p:txBody>
+      </p:sp>
+      <p:sp>
+        <p:nvSpPr>
+          <p:cNvPr id="4" name="Slide Number Placeholder 3"/>
+          <p:cNvSpPr>
+            <a:spLocks noGrp="1"/>
+          </p:cNvSpPr>
+          <p:nvPr>
+            <p:ph type="sldNum" sz="quarter" idx="10"/>
+          </p:nvPr>
+        </p:nvSpPr>
+        <p:spPr/>
+        <p:txBody>
+          <a:bodyPr/>
+          <a:lstStyle/>
+          <a:p>
+            <a:fld id="{436B7668-4600-6742-A3E7-4012734E6E14}" type="slidenum">
+              <a:rPr lang="en-US" smtClean="0"/>
+              <a:t>2</a:t>
+            </a:fld>
+            <a:endParaRPr lang="en-US"/>
+          </a:p>
+        </p:txBody>
+      </p:sp>
+    </p:spTree>
+    <p:extLst>
+      <p:ext uri="{BB962C8B-B14F-4D97-AF65-F5344CB8AC3E}">
+        <p14:creationId xmlns:p14="http://schemas.microsoft.com/office/powerpoint/2010/main" val="2651693618"/>
+      </p:ext>
+    </p:extLst>
+  </p:cSld>
+  <p:clrMapOvr>
+    <a:masterClrMapping/>
+  </p:clrMapOvr>
+</p:notes>
+</file>
+
+<file path=ppt/notesSlides/notesSlide2.xml><?xml version="1.0" encoding="utf-8"?>
+<p:notes xmlns:a="http://schemas.openxmlformats.org/drawingml/2006/main" xmlns:r="http://schemas.openxmlformats.org/officeDocument/2006/relationships" xmlns:p="http://schemas.openxmlformats.org/presentationml/2006/main">
+  <p:cSld>
+    <p:spTree>
+      <p:nvGrpSpPr>
+        <p:cNvPr id="1" name=""/>
+        <p:cNvGrpSpPr/>
+        <p:nvPr/>
+      </p:nvGrpSpPr>
+      <p:grpSpPr>
+        <a:xfrm>
+          <a:off x="0" y="0"/>
+          <a:ext cx="0" cy="0"/>
+          <a:chOff x="0" y="0"/>
+          <a:chExt cx="0" cy="0"/>
+        </a:xfrm>
+      </p:grpSpPr>
+      <p:sp>
+        <p:nvSpPr>
+          <p:cNvPr id="2" name="Slide Image Placeholder 1"/>
+          <p:cNvSpPr>
+            <a:spLocks noGrp="1" noRot="1" noChangeAspect="1"/>
+          </p:cNvSpPr>
+          <p:nvPr>
+            <p:ph type="sldImg"/>
+          </p:nvPr>
+        </p:nvSpPr>
+        <p:spPr/>
+      </p:sp>
+      <p:sp>
+        <p:nvSpPr>
+          <p:cNvPr id="3" name="Notes Placeholder 2"/>
+          <p:cNvSpPr>
+            <a:spLocks noGrp="1"/>
+          </p:cNvSpPr>
+          <p:nvPr>
+            <p:ph type="body" idx="1"/>
+          </p:nvPr>
+        </p:nvSpPr>
+        <p:spPr/>
+        <p:txBody>
+          <a:bodyPr/>
+          <a:lstStyle/>
+          <a:p>
+            <a:r>
+              <a:rPr lang="en-US" dirty="0" smtClean="0"/>
               <a:t>Skunk</a:t>
             </a:r>
             <a:r>
@@ -525,6 +626,12 @@
             <a:r>
               <a:rPr lang="en-US" baseline="0" dirty="0" smtClean="0"/>
               <a:t>Legendary engineer Kelly Johnson</a:t>
+            </a:r>
+          </a:p>
+          <a:p>
+            <a:r>
+              <a:rPr lang="en-US" baseline="0" dirty="0" smtClean="0"/>
+              <a:t>Already made U2</a:t>
             </a:r>
             <a:endParaRPr lang="en-US" dirty="0"/>
           </a:p>
@@ -557,6 +664,186 @@
     <p:extLst>
       <p:ext uri="{BB962C8B-B14F-4D97-AF65-F5344CB8AC3E}">
         <p14:creationId xmlns:p14="http://schemas.microsoft.com/office/powerpoint/2010/main" val="2138352376"/>
+      </p:ext>
+    </p:extLst>
+  </p:cSld>
+  <p:clrMapOvr>
+    <a:masterClrMapping/>
+  </p:clrMapOvr>
+</p:notes>
+</file>
+
+<file path=ppt/notesSlides/notesSlide3.xml><?xml version="1.0" encoding="utf-8"?>
+<p:notes xmlns:a="http://schemas.openxmlformats.org/drawingml/2006/main" xmlns:r="http://schemas.openxmlformats.org/officeDocument/2006/relationships" xmlns:p="http://schemas.openxmlformats.org/presentationml/2006/main">
+  <p:cSld>
+    <p:spTree>
+      <p:nvGrpSpPr>
+        <p:cNvPr id="1" name=""/>
+        <p:cNvGrpSpPr/>
+        <p:nvPr/>
+      </p:nvGrpSpPr>
+      <p:grpSpPr>
+        <a:xfrm>
+          <a:off x="0" y="0"/>
+          <a:ext cx="0" cy="0"/>
+          <a:chOff x="0" y="0"/>
+          <a:chExt cx="0" cy="0"/>
+        </a:xfrm>
+      </p:grpSpPr>
+      <p:sp>
+        <p:nvSpPr>
+          <p:cNvPr id="2" name="Slide Image Placeholder 1"/>
+          <p:cNvSpPr>
+            <a:spLocks noGrp="1" noRot="1" noChangeAspect="1"/>
+          </p:cNvSpPr>
+          <p:nvPr>
+            <p:ph type="sldImg"/>
+          </p:nvPr>
+        </p:nvSpPr>
+        <p:spPr/>
+      </p:sp>
+      <p:sp>
+        <p:nvSpPr>
+          <p:cNvPr id="3" name="Notes Placeholder 2"/>
+          <p:cNvSpPr>
+            <a:spLocks noGrp="1"/>
+          </p:cNvSpPr>
+          <p:nvPr>
+            <p:ph type="body" idx="1"/>
+          </p:nvPr>
+        </p:nvSpPr>
+        <p:spPr/>
+        <p:txBody>
+          <a:bodyPr/>
+          <a:lstStyle/>
+          <a:p>
+            <a:r>
+              <a:rPr lang="en-US" dirty="0" smtClean="0"/>
+              <a:t>Could power</a:t>
+            </a:r>
+            <a:r>
+              <a:rPr lang="en-US" baseline="0" dirty="0" smtClean="0"/>
+              <a:t> a small cruise ship</a:t>
+            </a:r>
+            <a:endParaRPr lang="en-US" dirty="0"/>
+          </a:p>
+        </p:txBody>
+      </p:sp>
+      <p:sp>
+        <p:nvSpPr>
+          <p:cNvPr id="4" name="Slide Number Placeholder 3"/>
+          <p:cNvSpPr>
+            <a:spLocks noGrp="1"/>
+          </p:cNvSpPr>
+          <p:nvPr>
+            <p:ph type="sldNum" sz="quarter" idx="10"/>
+          </p:nvPr>
+        </p:nvSpPr>
+        <p:spPr/>
+        <p:txBody>
+          <a:bodyPr/>
+          <a:lstStyle/>
+          <a:p>
+            <a:fld id="{436B7668-4600-6742-A3E7-4012734E6E14}" type="slidenum">
+              <a:rPr lang="en-US" smtClean="0"/>
+              <a:t>4</a:t>
+            </a:fld>
+            <a:endParaRPr lang="en-US"/>
+          </a:p>
+        </p:txBody>
+      </p:sp>
+    </p:spTree>
+    <p:extLst>
+      <p:ext uri="{BB962C8B-B14F-4D97-AF65-F5344CB8AC3E}">
+        <p14:creationId xmlns:p14="http://schemas.microsoft.com/office/powerpoint/2010/main" val="2817806727"/>
+      </p:ext>
+    </p:extLst>
+  </p:cSld>
+  <p:clrMapOvr>
+    <a:masterClrMapping/>
+  </p:clrMapOvr>
+</p:notes>
+</file>
+
+<file path=ppt/notesSlides/notesSlide4.xml><?xml version="1.0" encoding="utf-8"?>
+<p:notes xmlns:a="http://schemas.openxmlformats.org/drawingml/2006/main" xmlns:r="http://schemas.openxmlformats.org/officeDocument/2006/relationships" xmlns:p="http://schemas.openxmlformats.org/presentationml/2006/main">
+  <p:cSld>
+    <p:spTree>
+      <p:nvGrpSpPr>
+        <p:cNvPr id="1" name=""/>
+        <p:cNvGrpSpPr/>
+        <p:nvPr/>
+      </p:nvGrpSpPr>
+      <p:grpSpPr>
+        <a:xfrm>
+          <a:off x="0" y="0"/>
+          <a:ext cx="0" cy="0"/>
+          <a:chOff x="0" y="0"/>
+          <a:chExt cx="0" cy="0"/>
+        </a:xfrm>
+      </p:grpSpPr>
+      <p:sp>
+        <p:nvSpPr>
+          <p:cNvPr id="2" name="Slide Image Placeholder 1"/>
+          <p:cNvSpPr>
+            <a:spLocks noGrp="1" noRot="1" noChangeAspect="1"/>
+          </p:cNvSpPr>
+          <p:nvPr>
+            <p:ph type="sldImg"/>
+          </p:nvPr>
+        </p:nvSpPr>
+        <p:spPr/>
+      </p:sp>
+      <p:sp>
+        <p:nvSpPr>
+          <p:cNvPr id="3" name="Notes Placeholder 2"/>
+          <p:cNvSpPr>
+            <a:spLocks noGrp="1"/>
+          </p:cNvSpPr>
+          <p:nvPr>
+            <p:ph type="body" idx="1"/>
+          </p:nvPr>
+        </p:nvSpPr>
+        <p:spPr/>
+        <p:txBody>
+          <a:bodyPr/>
+          <a:lstStyle/>
+          <a:p>
+            <a:r>
+              <a:rPr lang="en-US" dirty="0" smtClean="0"/>
+              <a:t>CIA/third world country shadow companies</a:t>
+            </a:r>
+            <a:endParaRPr lang="en-US" dirty="0"/>
+          </a:p>
+        </p:txBody>
+      </p:sp>
+      <p:sp>
+        <p:nvSpPr>
+          <p:cNvPr id="4" name="Slide Number Placeholder 3"/>
+          <p:cNvSpPr>
+            <a:spLocks noGrp="1"/>
+          </p:cNvSpPr>
+          <p:nvPr>
+            <p:ph type="sldNum" sz="quarter" idx="10"/>
+          </p:nvPr>
+        </p:nvSpPr>
+        <p:spPr/>
+        <p:txBody>
+          <a:bodyPr/>
+          <a:lstStyle/>
+          <a:p>
+            <a:fld id="{436B7668-4600-6742-A3E7-4012734E6E14}" type="slidenum">
+              <a:rPr lang="en-US" smtClean="0"/>
+              <a:t>7</a:t>
+            </a:fld>
+            <a:endParaRPr lang="en-US"/>
+          </a:p>
+        </p:txBody>
+      </p:sp>
+    </p:spTree>
+    <p:extLst>
+      <p:ext uri="{BB962C8B-B14F-4D97-AF65-F5344CB8AC3E}">
+        <p14:creationId xmlns:p14="http://schemas.microsoft.com/office/powerpoint/2010/main" val="1766617227"/>
       </p:ext>
     </p:extLst>
   </p:cSld>
@@ -4081,6 +4368,59 @@
 </p:sld>
 </file>
 
+<file path=ppt/slides/slide10.xml><?xml version="1.0" encoding="utf-8"?>
+<p:sld xmlns:a="http://schemas.openxmlformats.org/drawingml/2006/main" xmlns:r="http://schemas.openxmlformats.org/officeDocument/2006/relationships" xmlns:p="http://schemas.openxmlformats.org/presentationml/2006/main">
+  <p:cSld>
+    <p:spTree>
+      <p:nvGrpSpPr>
+        <p:cNvPr id="1" name=""/>
+        <p:cNvGrpSpPr/>
+        <p:nvPr/>
+      </p:nvGrpSpPr>
+      <p:grpSpPr>
+        <a:xfrm>
+          <a:off x="0" y="0"/>
+          <a:ext cx="0" cy="0"/>
+          <a:chOff x="0" y="0"/>
+          <a:chExt cx="0" cy="0"/>
+        </a:xfrm>
+      </p:grpSpPr>
+      <p:sp>
+        <p:nvSpPr>
+          <p:cNvPr id="2" name="Title 1"/>
+          <p:cNvSpPr>
+            <a:spLocks noGrp="1"/>
+          </p:cNvSpPr>
+          <p:nvPr>
+            <p:ph type="title"/>
+          </p:nvPr>
+        </p:nvSpPr>
+        <p:spPr/>
+        <p:txBody>
+          <a:bodyPr/>
+          <a:lstStyle/>
+          <a:p>
+            <a:r>
+              <a:rPr lang="en-US" dirty="0" smtClean="0"/>
+              <a:t>Questions?</a:t>
+            </a:r>
+            <a:endParaRPr lang="en-US" dirty="0"/>
+          </a:p>
+        </p:txBody>
+      </p:sp>
+    </p:spTree>
+    <p:extLst>
+      <p:ext uri="{BB962C8B-B14F-4D97-AF65-F5344CB8AC3E}">
+        <p14:creationId xmlns:p14="http://schemas.microsoft.com/office/powerpoint/2010/main" val="3797065672"/>
+      </p:ext>
+    </p:extLst>
+  </p:cSld>
+  <p:clrMapOvr>
+    <a:masterClrMapping/>
+  </p:clrMapOvr>
+</p:sld>
+</file>
+
 <file path=ppt/slides/slide2.xml><?xml version="1.0" encoding="utf-8"?>
 <p:sld xmlns:a="http://schemas.openxmlformats.org/drawingml/2006/main" xmlns:r="http://schemas.openxmlformats.org/officeDocument/2006/relationships" xmlns:p="http://schemas.openxmlformats.org/presentationml/2006/main">
   <p:cSld>
@@ -4177,13 +4517,6 @@
             </a:r>
           </a:p>
           <a:p>
-            <a:r>
-              <a:rPr lang="en-US" dirty="0" smtClean="0"/>
-              <a:t>Designed by hand, slide rule, and graph paper</a:t>
-            </a:r>
-            <a:endParaRPr lang="en-US" dirty="0" smtClean="0"/>
-          </a:p>
-          <a:p>
             <a:endParaRPr lang="en-US" dirty="0" smtClean="0"/>
           </a:p>
           <a:p>
@@ -4206,7 +4539,7 @@
           <p:nvPr/>
         </p:nvPicPr>
         <p:blipFill>
-          <a:blip r:embed="rId2">
+          <a:blip r:embed="rId3">
             <a:extLst>
               <a:ext uri="{28A0092B-C50C-407E-A947-70E740481C1C}">
                 <a14:useLocalDpi xmlns:a14="http://schemas.microsoft.com/office/drawing/2010/main" val="0"/>
@@ -4724,6 +5057,13 @@
   <p:clrMapOvr>
     <a:masterClrMapping/>
   </p:clrMapOvr>
+  <p:timing>
+    <p:tnLst>
+      <p:par>
+        <p:cTn xmlns:p14="http://schemas.microsoft.com/office/powerpoint/2010/main" id="1" dur="indefinite" restart="never" nodeType="tmRoot"/>
+      </p:par>
+    </p:tnLst>
+  </p:timing>
 </p:sld>
 </file>
 
@@ -4794,12 +5134,8 @@
           </a:p>
           <a:p>
             <a:r>
-              <a:rPr lang="en-US" dirty="0" err="1" smtClean="0"/>
-              <a:t>Rulite</a:t>
-            </a:r>
-            <a:r>
               <a:rPr lang="en-US" dirty="0" smtClean="0"/>
-              <a:t> ore sourced from the USSR</a:t>
+              <a:t>Rutile ore sourced from the USSR</a:t>
             </a:r>
           </a:p>
           <a:p>
@@ -4832,7 +5168,7 @@
           <p:nvPr/>
         </p:nvPicPr>
         <p:blipFill>
-          <a:blip r:embed="rId2" cstate="print">
+          <a:blip r:embed="rId3" cstate="print">
             <a:extLst>
               <a:ext uri="{28A0092B-C50C-407E-A947-70E740481C1C}">
                 <a14:useLocalDpi xmlns:a14="http://schemas.microsoft.com/office/drawing/2010/main" val="0"/>
@@ -4863,6 +5199,13 @@
   <p:clrMapOvr>
     <a:masterClrMapping/>
   </p:clrMapOvr>
+  <p:timing>
+    <p:tnLst>
+      <p:par>
+        <p:cTn xmlns:p14="http://schemas.microsoft.com/office/powerpoint/2010/main" id="1" dur="indefinite" restart="never" nodeType="tmRoot"/>
+      </p:par>
+    </p:tnLst>
+  </p:timing>
 </p:sld>
 </file>
 
@@ -4988,6 +5331,13 @@
   <p:clrMapOvr>
     <a:masterClrMapping/>
   </p:clrMapOvr>
+  <p:timing>
+    <p:tnLst>
+      <p:par>
+        <p:cTn xmlns:p14="http://schemas.microsoft.com/office/powerpoint/2010/main" id="1" dur="indefinite" restart="never" nodeType="tmRoot"/>
+      </p:par>
+    </p:tnLst>
+  </p:timing>
 </p:sld>
 </file>
 
@@ -5111,6 +5461,13 @@
   <p:clrMapOvr>
     <a:masterClrMapping/>
   </p:clrMapOvr>
+  <p:timing>
+    <p:tnLst>
+      <p:par>
+        <p:cTn xmlns:p14="http://schemas.microsoft.com/office/powerpoint/2010/main" id="1" dur="indefinite" restart="never" nodeType="tmRoot"/>
+      </p:par>
+    </p:tnLst>
+  </p:timing>
 </p:sld>
 </file>
 
